--- a/2022-02-15-DotNetOxford-GiveItARESTAndTryGraphQL/Give It A REST And Try GraphQL.pptx
+++ b/2022-02-15-DotNetOxford-GiveItARESTAndTryGraphQL/Give It A REST And Try GraphQL.pptx
@@ -8325,7 +8325,7 @@
             <a:pPr lvl="1"/>
             <a:r>
               <a:rPr lang="en-US" dirty="0"/>
-              <a:t>What verbs do you use</a:t>
+              <a:t>What HTTP methods do you use</a:t>
             </a:r>
           </a:p>
           <a:p>
